--- a/Modulo1/ClaseSem1_OperadoresBooleanos.pptx
+++ b/Modulo1/ClaseSem1_OperadoresBooleanos.pptx
@@ -3622,7 +3622,7 @@
           <a:p>
             <a:fld id="{026B9473-9CE6-45A2-A3EF-DD4B3F4D50FD}" type="datetimeFigureOut">
               <a:rPr lang="en-US" smtClean="0"/>
-              <a:t>2/10/2023</a:t>
+              <a:t>8/14/2023</a:t>
             </a:fld>
             <a:endParaRPr lang="en-US"/>
           </a:p>
@@ -3946,7 +3946,7 @@
           <a:p>
             <a:fld id="{026B9473-9CE6-45A2-A3EF-DD4B3F4D50FD}" type="datetimeFigureOut">
               <a:rPr lang="en-US" smtClean="0"/>
-              <a:t>2/10/2023</a:t>
+              <a:t>8/14/2023</a:t>
             </a:fld>
             <a:endParaRPr lang="en-US"/>
           </a:p>
@@ -4194,7 +4194,7 @@
           <a:p>
             <a:fld id="{026B9473-9CE6-45A2-A3EF-DD4B3F4D50FD}" type="datetimeFigureOut">
               <a:rPr lang="en-US" smtClean="0"/>
-              <a:t>2/10/2023</a:t>
+              <a:t>8/14/2023</a:t>
             </a:fld>
             <a:endParaRPr lang="en-US"/>
           </a:p>
@@ -4533,7 +4533,7 @@
           <a:p>
             <a:fld id="{026B9473-9CE6-45A2-A3EF-DD4B3F4D50FD}" type="datetimeFigureOut">
               <a:rPr lang="en-US" smtClean="0"/>
-              <a:t>2/10/2023</a:t>
+              <a:t>8/14/2023</a:t>
             </a:fld>
             <a:endParaRPr lang="en-US"/>
           </a:p>
@@ -4880,7 +4880,7 @@
           <a:p>
             <a:fld id="{026B9473-9CE6-45A2-A3EF-DD4B3F4D50FD}" type="datetimeFigureOut">
               <a:rPr lang="en-US" smtClean="0"/>
-              <a:t>2/10/2023</a:t>
+              <a:t>8/14/2023</a:t>
             </a:fld>
             <a:endParaRPr lang="en-US"/>
           </a:p>
@@ -5254,7 +5254,7 @@
           <a:p>
             <a:fld id="{026B9473-9CE6-45A2-A3EF-DD4B3F4D50FD}" type="datetimeFigureOut">
               <a:rPr lang="en-US" smtClean="0"/>
-              <a:t>2/10/2023</a:t>
+              <a:t>8/14/2023</a:t>
             </a:fld>
             <a:endParaRPr lang="en-US"/>
           </a:p>
@@ -5724,7 +5724,7 @@
           <a:p>
             <a:fld id="{026B9473-9CE6-45A2-A3EF-DD4B3F4D50FD}" type="datetimeFigureOut">
               <a:rPr lang="en-US" smtClean="0"/>
-              <a:t>2/10/2023</a:t>
+              <a:t>8/14/2023</a:t>
             </a:fld>
             <a:endParaRPr lang="en-US"/>
           </a:p>
@@ -5929,7 +5929,7 @@
           <a:p>
             <a:fld id="{026B9473-9CE6-45A2-A3EF-DD4B3F4D50FD}" type="datetimeFigureOut">
               <a:rPr lang="en-US" smtClean="0"/>
-              <a:t>2/10/2023</a:t>
+              <a:t>8/14/2023</a:t>
             </a:fld>
             <a:endParaRPr lang="en-US"/>
           </a:p>
@@ -6140,7 +6140,7 @@
           <a:p>
             <a:fld id="{026B9473-9CE6-45A2-A3EF-DD4B3F4D50FD}" type="datetimeFigureOut">
               <a:rPr lang="en-US" smtClean="0"/>
-              <a:t>2/10/2023</a:t>
+              <a:t>8/14/2023</a:t>
             </a:fld>
             <a:endParaRPr lang="en-US"/>
           </a:p>
@@ -6372,7 +6372,7 @@
           <a:p>
             <a:fld id="{026B9473-9CE6-45A2-A3EF-DD4B3F4D50FD}" type="datetimeFigureOut">
               <a:rPr lang="en-US" smtClean="0"/>
-              <a:t>2/10/2023</a:t>
+              <a:t>8/14/2023</a:t>
             </a:fld>
             <a:endParaRPr lang="en-US"/>
           </a:p>
@@ -6620,7 +6620,7 @@
           <a:p>
             <a:fld id="{026B9473-9CE6-45A2-A3EF-DD4B3F4D50FD}" type="datetimeFigureOut">
               <a:rPr lang="en-US" smtClean="0"/>
-              <a:t>2/10/2023</a:t>
+              <a:t>8/14/2023</a:t>
             </a:fld>
             <a:endParaRPr lang="en-US"/>
           </a:p>
@@ -6918,7 +6918,7 @@
           <a:p>
             <a:fld id="{026B9473-9CE6-45A2-A3EF-DD4B3F4D50FD}" type="datetimeFigureOut">
               <a:rPr lang="en-US" smtClean="0"/>
-              <a:t>2/10/2023</a:t>
+              <a:t>8/14/2023</a:t>
             </a:fld>
             <a:endParaRPr lang="en-US"/>
           </a:p>
@@ -7312,7 +7312,7 @@
           <a:p>
             <a:fld id="{026B9473-9CE6-45A2-A3EF-DD4B3F4D50FD}" type="datetimeFigureOut">
               <a:rPr lang="en-US" smtClean="0"/>
-              <a:t>2/10/2023</a:t>
+              <a:t>8/14/2023</a:t>
             </a:fld>
             <a:endParaRPr lang="en-US"/>
           </a:p>
@@ -7461,7 +7461,7 @@
           <a:p>
             <a:fld id="{026B9473-9CE6-45A2-A3EF-DD4B3F4D50FD}" type="datetimeFigureOut">
               <a:rPr lang="en-US" smtClean="0"/>
-              <a:t>2/10/2023</a:t>
+              <a:t>8/14/2023</a:t>
             </a:fld>
             <a:endParaRPr lang="en-US"/>
           </a:p>
@@ -7587,7 +7587,7 @@
           <a:p>
             <a:fld id="{026B9473-9CE6-45A2-A3EF-DD4B3F4D50FD}" type="datetimeFigureOut">
               <a:rPr lang="en-US" smtClean="0"/>
-              <a:t>2/10/2023</a:t>
+              <a:t>8/14/2023</a:t>
             </a:fld>
             <a:endParaRPr lang="en-US"/>
           </a:p>
@@ -7842,7 +7842,7 @@
           <a:p>
             <a:fld id="{026B9473-9CE6-45A2-A3EF-DD4B3F4D50FD}" type="datetimeFigureOut">
               <a:rPr lang="en-US" smtClean="0"/>
-              <a:t>2/10/2023</a:t>
+              <a:t>8/14/2023</a:t>
             </a:fld>
             <a:endParaRPr lang="en-US"/>
           </a:p>
@@ -8157,7 +8157,7 @@
           <a:p>
             <a:fld id="{026B9473-9CE6-45A2-A3EF-DD4B3F4D50FD}" type="datetimeFigureOut">
               <a:rPr lang="en-US" smtClean="0"/>
-              <a:t>2/10/2023</a:t>
+              <a:t>8/14/2023</a:t>
             </a:fld>
             <a:endParaRPr lang="en-US"/>
           </a:p>
@@ -8508,7 +8508,7 @@
           <a:p>
             <a:fld id="{026B9473-9CE6-45A2-A3EF-DD4B3F4D50FD}" type="datetimeFigureOut">
               <a:rPr lang="en-US" smtClean="0"/>
-              <a:t>2/10/2023</a:t>
+              <a:t>8/14/2023</a:t>
             </a:fld>
             <a:endParaRPr lang="en-US"/>
           </a:p>
@@ -9615,8 +9615,8 @@
         </p:nvSpPr>
         <p:spPr>
           <a:xfrm>
-            <a:off x="640728" y="5523311"/>
-            <a:ext cx="5455272" cy="446276"/>
+            <a:off x="394874" y="5505021"/>
+            <a:ext cx="5455272" cy="800219"/>
           </a:xfrm>
           <a:prstGeom prst="rect">
             <a:avLst/>
@@ -9631,42 +9631,14 @@
           <a:p>
             <a:pPr algn="ctr"/>
             <a:r>
-              <a:rPr lang="en-US" sz="2300" b="0" i="0" dirty="0">
+              <a:rPr lang="es-ES" sz="2300" b="0" i="0">
                 <a:solidFill>
                   <a:srgbClr val="0D405F"/>
                 </a:solidFill>
                 <a:effectLst/>
                 <a:latin typeface="Abadi" panose="020B0604020104020204" pitchFamily="34" charset="0"/>
               </a:rPr>
-              <a:t>Search: </a:t>
-            </a:r>
-            <a:r>
-              <a:rPr lang="en-US" sz="2300" b="0" i="0" dirty="0" err="1">
-                <a:solidFill>
-                  <a:srgbClr val="0D405F"/>
-                </a:solidFill>
-                <a:effectLst/>
-                <a:latin typeface="Abadi" panose="020B0604020104020204" pitchFamily="34" charset="0"/>
-              </a:rPr>
-              <a:t>Sociolog</a:t>
-            </a:r>
-            <a:r>
-              <a:rPr lang="es-419" sz="2300" dirty="0" err="1">
-                <a:solidFill>
-                  <a:srgbClr val="0D405F"/>
-                </a:solidFill>
-                <a:latin typeface="Abadi" panose="020B0604020104020204" pitchFamily="34" charset="0"/>
-              </a:rPr>
-              <a:t>ía</a:t>
-            </a:r>
-            <a:r>
-              <a:rPr lang="es-419" sz="2300" dirty="0">
-                <a:solidFill>
-                  <a:srgbClr val="0D405F"/>
-                </a:solidFill>
-                <a:latin typeface="Abadi" panose="020B0604020104020204" pitchFamily="34" charset="0"/>
-              </a:rPr>
-              <a:t> en Colombia</a:t>
+              <a:t>(pregrado + sociología + bogotá) NOT unal</a:t>
             </a:r>
             <a:endParaRPr lang="en-US" sz="2300" dirty="0">
               <a:latin typeface="Abadi" panose="020B0604020104020204" pitchFamily="34" charset="0"/>
@@ -11973,6 +11945,12 @@
             <a:r>
               <a:rPr lang="en-US" dirty="0"/>
               <a:t>NOT</a:t>
+            </a:r>
+          </a:p>
+          <a:p>
+            <a:r>
+              <a:rPr lang="en-US" dirty="0"/>
+              <a:t>“”</a:t>
             </a:r>
           </a:p>
           <a:p>

--- a/Modulo1/ClaseSem1_OperadoresBooleanos.pptx
+++ b/Modulo1/ClaseSem1_OperadoresBooleanos.pptx
@@ -18,10 +18,12 @@
     <p:sldId id="294" r:id="rId12"/>
     <p:sldId id="293" r:id="rId13"/>
     <p:sldId id="287" r:id="rId14"/>
-    <p:sldId id="295" r:id="rId15"/>
-    <p:sldId id="296" r:id="rId16"/>
-    <p:sldId id="284" r:id="rId17"/>
-    <p:sldId id="292" r:id="rId18"/>
+    <p:sldId id="284" r:id="rId15"/>
+    <p:sldId id="295" r:id="rId16"/>
+    <p:sldId id="300" r:id="rId17"/>
+    <p:sldId id="301" r:id="rId18"/>
+    <p:sldId id="296" r:id="rId19"/>
+    <p:sldId id="292" r:id="rId20"/>
   </p:sldIdLst>
   <p:sldSz cx="12192000" cy="6858000"/>
   <p:notesSz cx="6858000" cy="9144000"/>
@@ -3622,7 +3624,7 @@
           <a:p>
             <a:fld id="{026B9473-9CE6-45A2-A3EF-DD4B3F4D50FD}" type="datetimeFigureOut">
               <a:rPr lang="en-US" smtClean="0"/>
-              <a:t>8/14/2023</a:t>
+              <a:t>2/15/2024</a:t>
             </a:fld>
             <a:endParaRPr lang="en-US"/>
           </a:p>
@@ -3946,7 +3948,7 @@
           <a:p>
             <a:fld id="{026B9473-9CE6-45A2-A3EF-DD4B3F4D50FD}" type="datetimeFigureOut">
               <a:rPr lang="en-US" smtClean="0"/>
-              <a:t>8/14/2023</a:t>
+              <a:t>2/15/2024</a:t>
             </a:fld>
             <a:endParaRPr lang="en-US"/>
           </a:p>
@@ -4194,7 +4196,7 @@
           <a:p>
             <a:fld id="{026B9473-9CE6-45A2-A3EF-DD4B3F4D50FD}" type="datetimeFigureOut">
               <a:rPr lang="en-US" smtClean="0"/>
-              <a:t>8/14/2023</a:t>
+              <a:t>2/15/2024</a:t>
             </a:fld>
             <a:endParaRPr lang="en-US"/>
           </a:p>
@@ -4533,7 +4535,7 @@
           <a:p>
             <a:fld id="{026B9473-9CE6-45A2-A3EF-DD4B3F4D50FD}" type="datetimeFigureOut">
               <a:rPr lang="en-US" smtClean="0"/>
-              <a:t>8/14/2023</a:t>
+              <a:t>2/15/2024</a:t>
             </a:fld>
             <a:endParaRPr lang="en-US"/>
           </a:p>
@@ -4880,7 +4882,7 @@
           <a:p>
             <a:fld id="{026B9473-9CE6-45A2-A3EF-DD4B3F4D50FD}" type="datetimeFigureOut">
               <a:rPr lang="en-US" smtClean="0"/>
-              <a:t>8/14/2023</a:t>
+              <a:t>2/15/2024</a:t>
             </a:fld>
             <a:endParaRPr lang="en-US"/>
           </a:p>
@@ -5254,7 +5256,7 @@
           <a:p>
             <a:fld id="{026B9473-9CE6-45A2-A3EF-DD4B3F4D50FD}" type="datetimeFigureOut">
               <a:rPr lang="en-US" smtClean="0"/>
-              <a:t>8/14/2023</a:t>
+              <a:t>2/15/2024</a:t>
             </a:fld>
             <a:endParaRPr lang="en-US"/>
           </a:p>
@@ -5724,7 +5726,7 @@
           <a:p>
             <a:fld id="{026B9473-9CE6-45A2-A3EF-DD4B3F4D50FD}" type="datetimeFigureOut">
               <a:rPr lang="en-US" smtClean="0"/>
-              <a:t>8/14/2023</a:t>
+              <a:t>2/15/2024</a:t>
             </a:fld>
             <a:endParaRPr lang="en-US"/>
           </a:p>
@@ -5929,7 +5931,7 @@
           <a:p>
             <a:fld id="{026B9473-9CE6-45A2-A3EF-DD4B3F4D50FD}" type="datetimeFigureOut">
               <a:rPr lang="en-US" smtClean="0"/>
-              <a:t>8/14/2023</a:t>
+              <a:t>2/15/2024</a:t>
             </a:fld>
             <a:endParaRPr lang="en-US"/>
           </a:p>
@@ -6140,7 +6142,7 @@
           <a:p>
             <a:fld id="{026B9473-9CE6-45A2-A3EF-DD4B3F4D50FD}" type="datetimeFigureOut">
               <a:rPr lang="en-US" smtClean="0"/>
-              <a:t>8/14/2023</a:t>
+              <a:t>2/15/2024</a:t>
             </a:fld>
             <a:endParaRPr lang="en-US"/>
           </a:p>
@@ -6372,7 +6374,7 @@
           <a:p>
             <a:fld id="{026B9473-9CE6-45A2-A3EF-DD4B3F4D50FD}" type="datetimeFigureOut">
               <a:rPr lang="en-US" smtClean="0"/>
-              <a:t>8/14/2023</a:t>
+              <a:t>2/15/2024</a:t>
             </a:fld>
             <a:endParaRPr lang="en-US"/>
           </a:p>
@@ -6620,7 +6622,7 @@
           <a:p>
             <a:fld id="{026B9473-9CE6-45A2-A3EF-DD4B3F4D50FD}" type="datetimeFigureOut">
               <a:rPr lang="en-US" smtClean="0"/>
-              <a:t>8/14/2023</a:t>
+              <a:t>2/15/2024</a:t>
             </a:fld>
             <a:endParaRPr lang="en-US"/>
           </a:p>
@@ -6918,7 +6920,7 @@
           <a:p>
             <a:fld id="{026B9473-9CE6-45A2-A3EF-DD4B3F4D50FD}" type="datetimeFigureOut">
               <a:rPr lang="en-US" smtClean="0"/>
-              <a:t>8/14/2023</a:t>
+              <a:t>2/15/2024</a:t>
             </a:fld>
             <a:endParaRPr lang="en-US"/>
           </a:p>
@@ -7312,7 +7314,7 @@
           <a:p>
             <a:fld id="{026B9473-9CE6-45A2-A3EF-DD4B3F4D50FD}" type="datetimeFigureOut">
               <a:rPr lang="en-US" smtClean="0"/>
-              <a:t>8/14/2023</a:t>
+              <a:t>2/15/2024</a:t>
             </a:fld>
             <a:endParaRPr lang="en-US"/>
           </a:p>
@@ -7461,7 +7463,7 @@
           <a:p>
             <a:fld id="{026B9473-9CE6-45A2-A3EF-DD4B3F4D50FD}" type="datetimeFigureOut">
               <a:rPr lang="en-US" smtClean="0"/>
-              <a:t>8/14/2023</a:t>
+              <a:t>2/15/2024</a:t>
             </a:fld>
             <a:endParaRPr lang="en-US"/>
           </a:p>
@@ -7587,7 +7589,7 @@
           <a:p>
             <a:fld id="{026B9473-9CE6-45A2-A3EF-DD4B3F4D50FD}" type="datetimeFigureOut">
               <a:rPr lang="en-US" smtClean="0"/>
-              <a:t>8/14/2023</a:t>
+              <a:t>2/15/2024</a:t>
             </a:fld>
             <a:endParaRPr lang="en-US"/>
           </a:p>
@@ -7842,7 +7844,7 @@
           <a:p>
             <a:fld id="{026B9473-9CE6-45A2-A3EF-DD4B3F4D50FD}" type="datetimeFigureOut">
               <a:rPr lang="en-US" smtClean="0"/>
-              <a:t>8/14/2023</a:t>
+              <a:t>2/15/2024</a:t>
             </a:fld>
             <a:endParaRPr lang="en-US"/>
           </a:p>
@@ -8157,7 +8159,7 @@
           <a:p>
             <a:fld id="{026B9473-9CE6-45A2-A3EF-DD4B3F4D50FD}" type="datetimeFigureOut">
               <a:rPr lang="en-US" smtClean="0"/>
-              <a:t>8/14/2023</a:t>
+              <a:t>2/15/2024</a:t>
             </a:fld>
             <a:endParaRPr lang="en-US"/>
           </a:p>
@@ -8508,7 +8510,7 @@
           <a:p>
             <a:fld id="{026B9473-9CE6-45A2-A3EF-DD4B3F4D50FD}" type="datetimeFigureOut">
               <a:rPr lang="en-US" smtClean="0"/>
-              <a:t>8/14/2023</a:t>
+              <a:t>2/15/2024</a:t>
             </a:fld>
             <a:endParaRPr lang="en-US"/>
           </a:p>
@@ -9616,7 +9618,7 @@
         <p:spPr>
           <a:xfrm>
             <a:off x="394874" y="5505021"/>
-            <a:ext cx="5455272" cy="800219"/>
+            <a:ext cx="5455272" cy="446276"/>
           </a:xfrm>
           <a:prstGeom prst="rect">
             <a:avLst/>
@@ -9631,14 +9633,53 @@
           <a:p>
             <a:pPr algn="ctr"/>
             <a:r>
-              <a:rPr lang="es-ES" sz="2300" b="0" i="0">
+              <a:rPr lang="es-ES" sz="2300" b="0" i="0" dirty="0">
                 <a:solidFill>
                   <a:srgbClr val="0D405F"/>
                 </a:solidFill>
                 <a:effectLst/>
                 <a:latin typeface="Abadi" panose="020B0604020104020204" pitchFamily="34" charset="0"/>
               </a:rPr>
-              <a:t>(pregrado + sociología + bogotá) NOT unal</a:t>
+              <a:t>(pregrado + sociología +</a:t>
+            </a:r>
+            <a:r>
+              <a:rPr lang="es-ES" sz="2300" b="0" i="0" dirty="0" err="1">
+                <a:solidFill>
+                  <a:srgbClr val="0D405F"/>
+                </a:solidFill>
+                <a:effectLst/>
+                <a:latin typeface="Abadi" panose="020B0604020104020204" pitchFamily="34" charset="0"/>
+              </a:rPr>
+              <a:t>bogotá</a:t>
+            </a:r>
+            <a:r>
+              <a:rPr lang="es-ES" sz="2300" b="0" i="0" dirty="0">
+                <a:solidFill>
+                  <a:srgbClr val="0D405F"/>
+                </a:solidFill>
+                <a:effectLst/>
+                <a:latin typeface="Abadi" panose="020B0604020104020204" pitchFamily="34" charset="0"/>
+              </a:rPr>
+              <a:t>) </a:t>
+            </a:r>
+            <a:r>
+              <a:rPr lang="es-ES" sz="2300" dirty="0">
+                <a:solidFill>
+                  <a:srgbClr val="0D405F"/>
+                </a:solidFill>
+                <a:latin typeface="Abadi" panose="020B0604020104020204" pitchFamily="34" charset="0"/>
+              </a:rPr>
+              <a:t>-</a:t>
+            </a:r>
+            <a:r>
+              <a:rPr lang="es-ES" sz="2300" b="0" i="0" dirty="0" err="1">
+                <a:solidFill>
+                  <a:srgbClr val="0D405F"/>
+                </a:solidFill>
+                <a:effectLst/>
+                <a:latin typeface="Abadi" panose="020B0604020104020204" pitchFamily="34" charset="0"/>
+              </a:rPr>
+              <a:t>unal</a:t>
             </a:r>
             <a:endParaRPr lang="en-US" sz="2300" dirty="0">
               <a:latin typeface="Abadi" panose="020B0604020104020204" pitchFamily="34" charset="0"/>
@@ -9971,6 +10012,18 @@
               </a:rPr>
               <a:t>:pdf</a:t>
             </a:r>
+          </a:p>
+          <a:p>
+            <a:r>
+              <a:rPr lang="en-US" dirty="0" err="1">
+                <a:solidFill>
+                  <a:srgbClr val="000000"/>
+                </a:solidFill>
+                <a:latin typeface="Arial" panose="020B0604020202020204" pitchFamily="34" charset="0"/>
+                <a:cs typeface="Arial" panose="020B0604020202020204" pitchFamily="34" charset="0"/>
+              </a:rPr>
+              <a:t>Truncar</a:t>
+            </a:r>
             <a:r>
               <a:rPr lang="es-419" dirty="0">
                 <a:solidFill>
@@ -10293,6 +10346,182 @@
       </p:grpSpPr>
       <p:sp>
         <p:nvSpPr>
+          <p:cNvPr id="2" name="Title 1">
+            <a:extLst>
+              <a:ext uri="{FF2B5EF4-FFF2-40B4-BE49-F238E27FC236}">
+                <a16:creationId xmlns:a16="http://schemas.microsoft.com/office/drawing/2014/main" id="{348EFC0C-9C94-AA51-08A1-0CF9E1DAFC12}"/>
+              </a:ext>
+            </a:extLst>
+          </p:cNvPr>
+          <p:cNvSpPr>
+            <a:spLocks noGrp="1"/>
+          </p:cNvSpPr>
+          <p:nvPr>
+            <p:ph type="title"/>
+          </p:nvPr>
+        </p:nvSpPr>
+        <p:spPr/>
+        <p:txBody>
+          <a:bodyPr/>
+          <a:lstStyle/>
+          <a:p>
+            <a:r>
+              <a:rPr lang="en-US" dirty="0"/>
+              <a:t>Follow-up</a:t>
+            </a:r>
+          </a:p>
+        </p:txBody>
+      </p:sp>
+      <p:sp>
+        <p:nvSpPr>
+          <p:cNvPr id="3" name="Content Placeholder 2">
+            <a:extLst>
+              <a:ext uri="{FF2B5EF4-FFF2-40B4-BE49-F238E27FC236}">
+                <a16:creationId xmlns:a16="http://schemas.microsoft.com/office/drawing/2014/main" id="{38E2077B-5B95-47FE-7055-E98E9E85F65A}"/>
+              </a:ext>
+            </a:extLst>
+          </p:cNvPr>
+          <p:cNvSpPr>
+            <a:spLocks noGrp="1"/>
+          </p:cNvSpPr>
+          <p:nvPr>
+            <p:ph idx="1"/>
+          </p:nvPr>
+        </p:nvSpPr>
+        <p:spPr/>
+        <p:txBody>
+          <a:bodyPr>
+            <a:normAutofit fontScale="92500" lnSpcReduction="10000"/>
+          </a:bodyPr>
+          <a:lstStyle/>
+          <a:p>
+            <a:pPr marL="0" indent="0">
+              <a:buNone/>
+            </a:pPr>
+            <a:r>
+              <a:rPr lang="en-US" b="0" i="0" dirty="0">
+                <a:solidFill>
+                  <a:srgbClr val="000000"/>
+                </a:solidFill>
+                <a:effectLst/>
+                <a:latin typeface="Arial" panose="020B0604020202020204" pitchFamily="34" charset="0"/>
+                <a:cs typeface="Arial" panose="020B0604020202020204" pitchFamily="34" charset="0"/>
+              </a:rPr>
+              <a:t>Given the following need for information: </a:t>
+            </a:r>
+          </a:p>
+          <a:p>
+            <a:pPr marL="0" indent="0">
+              <a:buNone/>
+            </a:pPr>
+            <a:r>
+              <a:rPr lang="en-US" b="0" i="0" dirty="0">
+                <a:solidFill>
+                  <a:srgbClr val="000000"/>
+                </a:solidFill>
+                <a:effectLst/>
+                <a:latin typeface="Arial" panose="020B0604020202020204" pitchFamily="34" charset="0"/>
+                <a:cs typeface="Arial" panose="020B0604020202020204" pitchFamily="34" charset="0"/>
+              </a:rPr>
+              <a:t>"scholarships and grants for film and video productions", which of the following equations in pseudo code is better?: </a:t>
+            </a:r>
+          </a:p>
+          <a:p>
+            <a:pPr marL="0" indent="0">
+              <a:buNone/>
+            </a:pPr>
+            <a:endParaRPr lang="en-US" dirty="0">
+              <a:solidFill>
+                <a:srgbClr val="000000"/>
+              </a:solidFill>
+              <a:latin typeface="Arial" panose="020B0604020202020204" pitchFamily="34" charset="0"/>
+              <a:cs typeface="Arial" panose="020B0604020202020204" pitchFamily="34" charset="0"/>
+            </a:endParaRPr>
+          </a:p>
+          <a:p>
+            <a:r>
+              <a:rPr lang="en-US" b="0" i="0" dirty="0">
+                <a:solidFill>
+                  <a:srgbClr val="000000"/>
+                </a:solidFill>
+                <a:effectLst/>
+                <a:latin typeface="Arial" panose="020B0604020202020204" pitchFamily="34" charset="0"/>
+                <a:cs typeface="Arial" panose="020B0604020202020204" pitchFamily="34" charset="0"/>
+              </a:rPr>
+              <a:t>(scholarships AND grants) AND (cinema AND video)</a:t>
+            </a:r>
+          </a:p>
+          <a:p>
+            <a:r>
+              <a:rPr lang="en-US" b="0" i="0" dirty="0">
+                <a:solidFill>
+                  <a:srgbClr val="000000"/>
+                </a:solidFill>
+                <a:effectLst/>
+                <a:latin typeface="Arial" panose="020B0604020202020204" pitchFamily="34" charset="0"/>
+                <a:cs typeface="Arial" panose="020B0604020202020204" pitchFamily="34" charset="0"/>
+              </a:rPr>
+              <a:t>(scholarships OR grants) AND (cinema OR video) </a:t>
+            </a:r>
+          </a:p>
+          <a:p>
+            <a:r>
+              <a:rPr lang="en-US" b="0" i="0" dirty="0">
+                <a:solidFill>
+                  <a:srgbClr val="000000"/>
+                </a:solidFill>
+                <a:effectLst/>
+                <a:latin typeface="Arial" panose="020B0604020202020204" pitchFamily="34" charset="0"/>
+                <a:cs typeface="Arial" panose="020B0604020202020204" pitchFamily="34" charset="0"/>
+              </a:rPr>
+              <a:t>Copy the wording of this question and the chosen answer into your report</a:t>
+            </a:r>
+            <a:r>
+              <a:rPr lang="en-US" b="0" i="0" dirty="0">
+                <a:solidFill>
+                  <a:srgbClr val="000000"/>
+                </a:solidFill>
+                <a:effectLst/>
+                <a:latin typeface="Roboto" panose="02000000000000000000" pitchFamily="2" charset="0"/>
+              </a:rPr>
+              <a:t>.</a:t>
+            </a:r>
+            <a:endParaRPr lang="en-US" dirty="0"/>
+          </a:p>
+        </p:txBody>
+      </p:sp>
+    </p:spTree>
+    <p:extLst>
+      <p:ext uri="{BB962C8B-B14F-4D97-AF65-F5344CB8AC3E}">
+        <p14:creationId xmlns:p14="http://schemas.microsoft.com/office/powerpoint/2010/main" val="3927661795"/>
+      </p:ext>
+    </p:extLst>
+  </p:cSld>
+  <p:clrMapOvr>
+    <a:masterClrMapping/>
+  </p:clrMapOvr>
+</p:sld>
+</file>
+
+<file path=ppt/slides/slide15.xml><?xml version="1.0" encoding="utf-8"?>
+<p:sld xmlns:a="http://schemas.openxmlformats.org/drawingml/2006/main" xmlns:r="http://schemas.openxmlformats.org/officeDocument/2006/relationships" xmlns:p="http://schemas.openxmlformats.org/presentationml/2006/main">
+  <p:cSld>
+    <p:spTree>
+      <p:nvGrpSpPr>
+        <p:cNvPr id="1" name=""/>
+        <p:cNvGrpSpPr/>
+        <p:nvPr/>
+      </p:nvGrpSpPr>
+      <p:grpSpPr>
+        <a:xfrm>
+          <a:off x="0" y="0"/>
+          <a:ext cx="0" cy="0"/>
+          <a:chOff x="0" y="0"/>
+          <a:chExt cx="0" cy="0"/>
+        </a:xfrm>
+      </p:grpSpPr>
+      <p:sp>
+        <p:nvSpPr>
           <p:cNvPr id="2" name="Title 1"/>
           <p:cNvSpPr>
             <a:spLocks noGrp="1"/>
@@ -10307,86 +10536,12 @@
           <a:lstStyle/>
           <a:p>
             <a:r>
-              <a:rPr lang="es-419" sz="3000" b="1" dirty="0" err="1">
-                <a:latin typeface="Arial" panose="020B0604020202020204" pitchFamily="34" charset="0"/>
-                <a:cs typeface="Arial" panose="020B0604020202020204" pitchFamily="34" charset="0"/>
-              </a:rPr>
-              <a:t>Busqueda</a:t>
-            </a:r>
-            <a:r>
               <a:rPr lang="en-US" sz="3000" b="1" dirty="0">
                 <a:latin typeface="Arial" panose="020B0604020202020204" pitchFamily="34" charset="0"/>
                 <a:cs typeface="Arial" panose="020B0604020202020204" pitchFamily="34" charset="0"/>
               </a:rPr>
-              <a:t> </a:t>
-            </a:r>
-            <a:r>
-              <a:rPr lang="en-US" sz="3000" b="1" dirty="0" err="1">
-                <a:latin typeface="Arial" panose="020B0604020202020204" pitchFamily="34" charset="0"/>
-                <a:cs typeface="Arial" panose="020B0604020202020204" pitchFamily="34" charset="0"/>
-              </a:rPr>
-              <a:t>avanzada</a:t>
-            </a:r>
-            <a:r>
-              <a:rPr lang="en-US" sz="3000" b="1" dirty="0">
-                <a:latin typeface="Arial" panose="020B0604020202020204" pitchFamily="34" charset="0"/>
-                <a:cs typeface="Arial" panose="020B0604020202020204" pitchFamily="34" charset="0"/>
-              </a:rPr>
-              <a:t> </a:t>
-            </a:r>
-            <a:r>
-              <a:rPr lang="en-US" sz="3000" b="1" dirty="0" err="1">
-                <a:latin typeface="Arial" panose="020B0604020202020204" pitchFamily="34" charset="0"/>
-                <a:cs typeface="Arial" panose="020B0604020202020204" pitchFamily="34" charset="0"/>
-              </a:rPr>
-              <a:t>en</a:t>
-            </a:r>
-            <a:r>
-              <a:rPr lang="en-US" sz="3000" b="1" dirty="0">
-                <a:latin typeface="Arial" panose="020B0604020202020204" pitchFamily="34" charset="0"/>
-                <a:cs typeface="Arial" panose="020B0604020202020204" pitchFamily="34" charset="0"/>
-              </a:rPr>
-              <a:t> </a:t>
-            </a:r>
-            <a:r>
-              <a:rPr lang="en-US" sz="3000" b="1" dirty="0" err="1">
-                <a:latin typeface="Arial" panose="020B0604020202020204" pitchFamily="34" charset="0"/>
-                <a:cs typeface="Arial" panose="020B0604020202020204" pitchFamily="34" charset="0"/>
-              </a:rPr>
-              <a:t>gestores</a:t>
-            </a:r>
-            <a:r>
-              <a:rPr lang="en-US" sz="3000" b="1" dirty="0">
-                <a:latin typeface="Arial" panose="020B0604020202020204" pitchFamily="34" charset="0"/>
-                <a:cs typeface="Arial" panose="020B0604020202020204" pitchFamily="34" charset="0"/>
-              </a:rPr>
-              <a:t> de </a:t>
-            </a:r>
-            <a:r>
-              <a:rPr lang="en-US" sz="3000" b="1" dirty="0" err="1">
-                <a:latin typeface="Arial" panose="020B0604020202020204" pitchFamily="34" charset="0"/>
-                <a:cs typeface="Arial" panose="020B0604020202020204" pitchFamily="34" charset="0"/>
-              </a:rPr>
-              <a:t>busqueda</a:t>
-            </a:r>
-            <a:r>
-              <a:rPr lang="en-US" sz="3000" b="1" dirty="0">
-                <a:latin typeface="Arial" panose="020B0604020202020204" pitchFamily="34" charset="0"/>
-                <a:cs typeface="Arial" panose="020B0604020202020204" pitchFamily="34" charset="0"/>
-              </a:rPr>
-              <a:t> </a:t>
-            </a:r>
-            <a:r>
-              <a:rPr lang="en-US" sz="3000" b="1" dirty="0" err="1">
-                <a:latin typeface="Arial" panose="020B0604020202020204" pitchFamily="34" charset="0"/>
-                <a:cs typeface="Arial" panose="020B0604020202020204" pitchFamily="34" charset="0"/>
-              </a:rPr>
-              <a:t>bibliográficos</a:t>
-            </a:r>
-            <a:endParaRPr lang="en-US" sz="3000" b="1" dirty="0">
-              <a:latin typeface="Arial" panose="020B0604020202020204" pitchFamily="34" charset="0"/>
-              <a:cs typeface="Arial" panose="020B0604020202020204" pitchFamily="34" charset="0"/>
-            </a:endParaRPr>
+              <a:t>Advanced search in academic databases</a:t>
+            </a:r>
           </a:p>
         </p:txBody>
       </p:sp>
@@ -10406,14 +10561,18 @@
           <a:lstStyle/>
           <a:p>
             <a:r>
+              <a:rPr lang="en-US" dirty="0"/>
+              <a:t>Software applied to social sciences</a:t>
+            </a:r>
+          </a:p>
+          <a:p>
+            <a:r>
+              <a:rPr lang="es-419" dirty="0" err="1"/>
+              <a:t>By</a:t>
+            </a:r>
+            <a:r>
               <a:rPr lang="es-419" dirty="0"/>
-              <a:t>Software aplicado a ciencias sociales</a:t>
-            </a:r>
-          </a:p>
-          <a:p>
-            <a:r>
-              <a:rPr lang="es-419" dirty="0"/>
-              <a:t>Por: William Martínez</a:t>
+              <a:t>: William Martínez</a:t>
             </a:r>
           </a:p>
         </p:txBody>
@@ -10431,7 +10590,352 @@
 </p:sld>
 </file>
 
-<file path=ppt/slides/slide15.xml><?xml version="1.0" encoding="utf-8"?>
+<file path=ppt/slides/slide16.xml><?xml version="1.0" encoding="utf-8"?>
+<p:sld xmlns:a="http://schemas.openxmlformats.org/drawingml/2006/main" xmlns:r="http://schemas.openxmlformats.org/officeDocument/2006/relationships" xmlns:p="http://schemas.openxmlformats.org/presentationml/2006/main">
+  <p:cSld>
+    <p:spTree>
+      <p:nvGrpSpPr>
+        <p:cNvPr id="1" name="">
+          <a:extLst>
+            <a:ext uri="{FF2B5EF4-FFF2-40B4-BE49-F238E27FC236}">
+              <a16:creationId xmlns:a16="http://schemas.microsoft.com/office/drawing/2014/main" id="{07936D24-26C7-E62B-5B98-B592C19CF097}"/>
+            </a:ext>
+          </a:extLst>
+        </p:cNvPr>
+        <p:cNvGrpSpPr/>
+        <p:nvPr/>
+      </p:nvGrpSpPr>
+      <p:grpSpPr>
+        <a:xfrm>
+          <a:off x="0" y="0"/>
+          <a:ext cx="0" cy="0"/>
+          <a:chOff x="0" y="0"/>
+          <a:chExt cx="0" cy="0"/>
+        </a:xfrm>
+      </p:grpSpPr>
+      <p:sp>
+        <p:nvSpPr>
+          <p:cNvPr id="2" name="Title 1">
+            <a:extLst>
+              <a:ext uri="{FF2B5EF4-FFF2-40B4-BE49-F238E27FC236}">
+                <a16:creationId xmlns:a16="http://schemas.microsoft.com/office/drawing/2014/main" id="{2B47D309-A3D6-ECD8-E284-2FE2839459A8}"/>
+              </a:ext>
+            </a:extLst>
+          </p:cNvPr>
+          <p:cNvSpPr>
+            <a:spLocks noGrp="1"/>
+          </p:cNvSpPr>
+          <p:nvPr>
+            <p:ph type="title"/>
+          </p:nvPr>
+        </p:nvSpPr>
+        <p:spPr/>
+        <p:txBody>
+          <a:bodyPr/>
+          <a:lstStyle/>
+          <a:p>
+            <a:r>
+              <a:rPr lang="en-US" dirty="0"/>
+              <a:t>Tips</a:t>
+            </a:r>
+          </a:p>
+        </p:txBody>
+      </p:sp>
+      <p:sp>
+        <p:nvSpPr>
+          <p:cNvPr id="3" name="Content Placeholder 2">
+            <a:extLst>
+              <a:ext uri="{FF2B5EF4-FFF2-40B4-BE49-F238E27FC236}">
+                <a16:creationId xmlns:a16="http://schemas.microsoft.com/office/drawing/2014/main" id="{25AC4925-A82A-F4A6-896E-DDD372760449}"/>
+              </a:ext>
+            </a:extLst>
+          </p:cNvPr>
+          <p:cNvSpPr>
+            <a:spLocks noGrp="1"/>
+          </p:cNvSpPr>
+          <p:nvPr>
+            <p:ph idx="1"/>
+          </p:nvPr>
+        </p:nvSpPr>
+        <p:spPr/>
+        <p:txBody>
+          <a:bodyPr>
+            <a:normAutofit lnSpcReduction="10000"/>
+          </a:bodyPr>
+          <a:lstStyle/>
+          <a:p>
+            <a:r>
+              <a:rPr lang="en-US" b="0" i="0" dirty="0">
+                <a:solidFill>
+                  <a:srgbClr val="000000"/>
+                </a:solidFill>
+                <a:effectLst/>
+                <a:latin typeface="Arial" panose="020B0604020202020204" pitchFamily="34" charset="0"/>
+                <a:cs typeface="Arial" panose="020B0604020202020204" pitchFamily="34" charset="0"/>
+              </a:rPr>
+              <a:t>Is your database relevant to your topic?</a:t>
+            </a:r>
+          </a:p>
+          <a:p>
+            <a:r>
+              <a:rPr lang="en-US" b="0" i="0" dirty="0">
+                <a:solidFill>
+                  <a:srgbClr val="000000"/>
+                </a:solidFill>
+                <a:effectLst/>
+                <a:latin typeface="Arial" panose="020B0604020202020204" pitchFamily="34" charset="0"/>
+                <a:cs typeface="Arial" panose="020B0604020202020204" pitchFamily="34" charset="0"/>
+              </a:rPr>
+              <a:t>Check for spelling mistakes or other errors in entering the search terms</a:t>
+            </a:r>
+          </a:p>
+          <a:p>
+            <a:r>
+              <a:rPr lang="en-US" b="0" i="0" dirty="0">
+                <a:solidFill>
+                  <a:srgbClr val="000000"/>
+                </a:solidFill>
+                <a:effectLst/>
+                <a:latin typeface="Arial" panose="020B0604020202020204" pitchFamily="34" charset="0"/>
+                <a:cs typeface="Arial" panose="020B0604020202020204" pitchFamily="34" charset="0"/>
+              </a:rPr>
+              <a:t>Add a synonym, related term for a concept using OR</a:t>
+            </a:r>
+          </a:p>
+          <a:p>
+            <a:r>
+              <a:rPr lang="en-US" b="0" i="0" dirty="0">
+                <a:solidFill>
+                  <a:srgbClr val="000000"/>
+                </a:solidFill>
+                <a:effectLst/>
+                <a:latin typeface="Arial" panose="020B0604020202020204" pitchFamily="34" charset="0"/>
+                <a:cs typeface="Arial" panose="020B0604020202020204" pitchFamily="34" charset="0"/>
+              </a:rPr>
+              <a:t>Are the Boolean operators used correctly?</a:t>
+            </a:r>
+          </a:p>
+          <a:p>
+            <a:r>
+              <a:rPr lang="en-US" b="0" i="0" dirty="0">
+                <a:solidFill>
+                  <a:srgbClr val="000000"/>
+                </a:solidFill>
+                <a:effectLst/>
+                <a:latin typeface="Arial" panose="020B0604020202020204" pitchFamily="34" charset="0"/>
+                <a:cs typeface="Arial" panose="020B0604020202020204" pitchFamily="34" charset="0"/>
+              </a:rPr>
+              <a:t>Use truncations/wildcards to find variations of your terms</a:t>
+            </a:r>
+          </a:p>
+          <a:p>
+            <a:r>
+              <a:rPr lang="en-US" b="0" i="0" dirty="0">
+                <a:solidFill>
+                  <a:srgbClr val="000000"/>
+                </a:solidFill>
+                <a:effectLst/>
+                <a:latin typeface="Arial" panose="020B0604020202020204" pitchFamily="34" charset="0"/>
+                <a:cs typeface="Arial" panose="020B0604020202020204" pitchFamily="34" charset="0"/>
+              </a:rPr>
+              <a:t>Snowball backward and forward in time (check for keywords)</a:t>
+            </a:r>
+          </a:p>
+        </p:txBody>
+      </p:sp>
+    </p:spTree>
+    <p:extLst>
+      <p:ext uri="{BB962C8B-B14F-4D97-AF65-F5344CB8AC3E}">
+        <p14:creationId xmlns:p14="http://schemas.microsoft.com/office/powerpoint/2010/main" val="238632563"/>
+      </p:ext>
+    </p:extLst>
+  </p:cSld>
+  <p:clrMapOvr>
+    <a:masterClrMapping/>
+  </p:clrMapOvr>
+</p:sld>
+</file>
+
+<file path=ppt/slides/slide17.xml><?xml version="1.0" encoding="utf-8"?>
+<p:sld xmlns:a="http://schemas.openxmlformats.org/drawingml/2006/main" xmlns:r="http://schemas.openxmlformats.org/officeDocument/2006/relationships" xmlns:p="http://schemas.openxmlformats.org/presentationml/2006/main">
+  <p:cSld>
+    <p:spTree>
+      <p:nvGrpSpPr>
+        <p:cNvPr id="1" name="">
+          <a:extLst>
+            <a:ext uri="{FF2B5EF4-FFF2-40B4-BE49-F238E27FC236}">
+              <a16:creationId xmlns:a16="http://schemas.microsoft.com/office/drawing/2014/main" id="{51A3A527-644E-3D7F-48B8-9538F871DB8D}"/>
+            </a:ext>
+          </a:extLst>
+        </p:cNvPr>
+        <p:cNvGrpSpPr/>
+        <p:nvPr/>
+      </p:nvGrpSpPr>
+      <p:grpSpPr>
+        <a:xfrm>
+          <a:off x="0" y="0"/>
+          <a:ext cx="0" cy="0"/>
+          <a:chOff x="0" y="0"/>
+          <a:chExt cx="0" cy="0"/>
+        </a:xfrm>
+      </p:grpSpPr>
+      <p:sp>
+        <p:nvSpPr>
+          <p:cNvPr id="2" name="Title 1">
+            <a:extLst>
+              <a:ext uri="{FF2B5EF4-FFF2-40B4-BE49-F238E27FC236}">
+                <a16:creationId xmlns:a16="http://schemas.microsoft.com/office/drawing/2014/main" id="{AFA75790-2D71-D9B6-0B06-E071B3EB2A8F}"/>
+              </a:ext>
+            </a:extLst>
+          </p:cNvPr>
+          <p:cNvSpPr>
+            <a:spLocks noGrp="1"/>
+          </p:cNvSpPr>
+          <p:nvPr>
+            <p:ph type="title"/>
+          </p:nvPr>
+        </p:nvSpPr>
+        <p:spPr>
+          <a:xfrm>
+            <a:off x="1295401" y="982132"/>
+            <a:ext cx="9052248" cy="1303867"/>
+          </a:xfrm>
+        </p:spPr>
+        <p:txBody>
+          <a:bodyPr>
+            <a:normAutofit fontScale="90000"/>
+          </a:bodyPr>
+          <a:lstStyle/>
+          <a:p>
+            <a:r>
+              <a:rPr lang="en-US" dirty="0"/>
+              <a:t>Data bases and academic data bases</a:t>
+            </a:r>
+          </a:p>
+        </p:txBody>
+      </p:sp>
+      <p:sp>
+        <p:nvSpPr>
+          <p:cNvPr id="3" name="Content Placeholder 2">
+            <a:extLst>
+              <a:ext uri="{FF2B5EF4-FFF2-40B4-BE49-F238E27FC236}">
+                <a16:creationId xmlns:a16="http://schemas.microsoft.com/office/drawing/2014/main" id="{053FFCE9-AD30-1AF6-75A1-4514CB5D84C1}"/>
+              </a:ext>
+            </a:extLst>
+          </p:cNvPr>
+          <p:cNvSpPr>
+            <a:spLocks noGrp="1"/>
+          </p:cNvSpPr>
+          <p:nvPr>
+            <p:ph idx="1"/>
+          </p:nvPr>
+        </p:nvSpPr>
+        <p:spPr/>
+        <p:txBody>
+          <a:bodyPr>
+            <a:normAutofit/>
+          </a:bodyPr>
+          <a:lstStyle/>
+          <a:p>
+            <a:pPr algn="just"/>
+            <a:r>
+              <a:rPr lang="en-US" i="0" dirty="0">
+                <a:solidFill>
+                  <a:srgbClr val="000000"/>
+                </a:solidFill>
+                <a:effectLst/>
+                <a:latin typeface="Arial" panose="020B0604020202020204" pitchFamily="34" charset="0"/>
+                <a:cs typeface="Arial" panose="020B0604020202020204" pitchFamily="34" charset="0"/>
+              </a:rPr>
+              <a:t>It is an organized information storage system that allows you to enter, store, retrieve and manage data efficiently.</a:t>
+            </a:r>
+          </a:p>
+          <a:p>
+            <a:pPr algn="just"/>
+            <a:endParaRPr lang="en-US" dirty="0">
+              <a:solidFill>
+                <a:srgbClr val="000000"/>
+              </a:solidFill>
+              <a:latin typeface="Arial" panose="020B0604020202020204" pitchFamily="34" charset="0"/>
+              <a:cs typeface="Arial" panose="020B0604020202020204" pitchFamily="34" charset="0"/>
+            </a:endParaRPr>
+          </a:p>
+          <a:p>
+            <a:pPr algn="just"/>
+            <a:r>
+              <a:rPr lang="en-US" dirty="0">
+                <a:solidFill>
+                  <a:srgbClr val="000000"/>
+                </a:solidFill>
+                <a:latin typeface="Arial" panose="020B0604020202020204" pitchFamily="34" charset="0"/>
+                <a:cs typeface="Arial" panose="020B0604020202020204" pitchFamily="34" charset="0"/>
+              </a:rPr>
+              <a:t>Scopus, </a:t>
+            </a:r>
+            <a:r>
+              <a:rPr lang="en-US" dirty="0" err="1">
+                <a:solidFill>
+                  <a:srgbClr val="000000"/>
+                </a:solidFill>
+                <a:latin typeface="Arial" panose="020B0604020202020204" pitchFamily="34" charset="0"/>
+                <a:cs typeface="Arial" panose="020B0604020202020204" pitchFamily="34" charset="0"/>
+              </a:rPr>
+              <a:t>SciELO</a:t>
+            </a:r>
+            <a:r>
+              <a:rPr lang="en-US" dirty="0">
+                <a:solidFill>
+                  <a:srgbClr val="000000"/>
+                </a:solidFill>
+                <a:latin typeface="Arial" panose="020B0604020202020204" pitchFamily="34" charset="0"/>
+                <a:cs typeface="Arial" panose="020B0604020202020204" pitchFamily="34" charset="0"/>
+              </a:rPr>
+              <a:t>, google scholar and </a:t>
+            </a:r>
+            <a:r>
+              <a:rPr lang="en-US" dirty="0" err="1">
+                <a:solidFill>
+                  <a:srgbClr val="000000"/>
+                </a:solidFill>
+                <a:latin typeface="Arial" panose="020B0604020202020204" pitchFamily="34" charset="0"/>
+                <a:cs typeface="Arial" panose="020B0604020202020204" pitchFamily="34" charset="0"/>
+              </a:rPr>
+              <a:t>Redalyc</a:t>
+            </a:r>
+            <a:endParaRPr lang="en-US" dirty="0">
+              <a:solidFill>
+                <a:srgbClr val="000000"/>
+              </a:solidFill>
+              <a:latin typeface="Arial" panose="020B0604020202020204" pitchFamily="34" charset="0"/>
+              <a:cs typeface="Arial" panose="020B0604020202020204" pitchFamily="34" charset="0"/>
+            </a:endParaRPr>
+          </a:p>
+          <a:p>
+            <a:endParaRPr lang="en-US" b="0" i="0" dirty="0">
+              <a:solidFill>
+                <a:srgbClr val="000000"/>
+              </a:solidFill>
+              <a:effectLst/>
+              <a:latin typeface="Arial" panose="020B0604020202020204" pitchFamily="34" charset="0"/>
+              <a:cs typeface="Arial" panose="020B0604020202020204" pitchFamily="34" charset="0"/>
+            </a:endParaRPr>
+          </a:p>
+        </p:txBody>
+      </p:sp>
+    </p:spTree>
+    <p:extLst>
+      <p:ext uri="{BB962C8B-B14F-4D97-AF65-F5344CB8AC3E}">
+        <p14:creationId xmlns:p14="http://schemas.microsoft.com/office/powerpoint/2010/main" val="3818540765"/>
+      </p:ext>
+    </p:extLst>
+  </p:cSld>
+  <p:clrMapOvr>
+    <a:masterClrMapping/>
+  </p:clrMapOvr>
+</p:sld>
+</file>
+
+<file path=ppt/slides/slide18.xml><?xml version="1.0" encoding="utf-8"?>
 <p:sld xmlns:a="http://schemas.openxmlformats.org/drawingml/2006/main" xmlns:r="http://schemas.openxmlformats.org/officeDocument/2006/relationships" xmlns:p="http://schemas.openxmlformats.org/presentationml/2006/main">
   <p:cSld>
     <p:bg>
@@ -10581,6 +11085,13 @@
               <a:schemeClr val="lt1"/>
             </a:fontRef>
           </p:style>
+          <p:txBody>
+            <a:bodyPr/>
+            <a:lstStyle/>
+            <a:p>
+              <a:endParaRPr lang="en-US"/>
+            </a:p>
+          </p:txBody>
         </p:sp>
         <p:pic>
           <p:nvPicPr>
@@ -10813,6 +11324,13 @@
             <a:schemeClr val="lt1"/>
           </a:fontRef>
         </p:style>
+        <p:txBody>
+          <a:bodyPr/>
+          <a:lstStyle/>
+          <a:p>
+            <a:endParaRPr lang="en-US"/>
+          </a:p>
+        </p:txBody>
       </p:sp>
       <p:grpSp>
         <p:nvGrpSpPr>
@@ -11139,7 +11657,7 @@
 </p:sld>
 </file>
 
-<file path=ppt/slides/slide16.xml><?xml version="1.0" encoding="utf-8"?>
+<file path=ppt/slides/slide19.xml><?xml version="1.0" encoding="utf-8"?>
 <p:sld xmlns:a="http://schemas.openxmlformats.org/drawingml/2006/main" xmlns:r="http://schemas.openxmlformats.org/officeDocument/2006/relationships" xmlns:p="http://schemas.openxmlformats.org/presentationml/2006/main">
   <p:cSld>
     <p:spTree>
@@ -11201,187 +11719,15 @@
             <p:ph idx="1"/>
           </p:nvPr>
         </p:nvSpPr>
-        <p:spPr/>
+        <p:spPr>
+          <a:xfrm>
+            <a:off x="1295401" y="2556931"/>
+            <a:ext cx="9601196" cy="3543831"/>
+          </a:xfrm>
+        </p:spPr>
         <p:txBody>
           <a:bodyPr>
-            <a:normAutofit fontScale="92500" lnSpcReduction="10000"/>
-          </a:bodyPr>
-          <a:lstStyle/>
-          <a:p>
-            <a:pPr marL="0" indent="0">
-              <a:buNone/>
-            </a:pPr>
-            <a:r>
-              <a:rPr lang="en-US" b="0" i="0" dirty="0">
-                <a:solidFill>
-                  <a:srgbClr val="000000"/>
-                </a:solidFill>
-                <a:effectLst/>
-                <a:latin typeface="Arial" panose="020B0604020202020204" pitchFamily="34" charset="0"/>
-                <a:cs typeface="Arial" panose="020B0604020202020204" pitchFamily="34" charset="0"/>
-              </a:rPr>
-              <a:t>Given the following need for information: </a:t>
-            </a:r>
-          </a:p>
-          <a:p>
-            <a:pPr marL="0" indent="0">
-              <a:buNone/>
-            </a:pPr>
-            <a:r>
-              <a:rPr lang="en-US" b="0" i="0" dirty="0">
-                <a:solidFill>
-                  <a:srgbClr val="000000"/>
-                </a:solidFill>
-                <a:effectLst/>
-                <a:latin typeface="Arial" panose="020B0604020202020204" pitchFamily="34" charset="0"/>
-                <a:cs typeface="Arial" panose="020B0604020202020204" pitchFamily="34" charset="0"/>
-              </a:rPr>
-              <a:t>"scholarships and grants for film and video productions", which of the following equations in pseudo code is better?: </a:t>
-            </a:r>
-          </a:p>
-          <a:p>
-            <a:pPr marL="0" indent="0">
-              <a:buNone/>
-            </a:pPr>
-            <a:endParaRPr lang="en-US" dirty="0">
-              <a:solidFill>
-                <a:srgbClr val="000000"/>
-              </a:solidFill>
-              <a:latin typeface="Arial" panose="020B0604020202020204" pitchFamily="34" charset="0"/>
-              <a:cs typeface="Arial" panose="020B0604020202020204" pitchFamily="34" charset="0"/>
-            </a:endParaRPr>
-          </a:p>
-          <a:p>
-            <a:r>
-              <a:rPr lang="en-US" b="0" i="0" dirty="0">
-                <a:solidFill>
-                  <a:srgbClr val="000000"/>
-                </a:solidFill>
-                <a:effectLst/>
-                <a:latin typeface="Arial" panose="020B0604020202020204" pitchFamily="34" charset="0"/>
-                <a:cs typeface="Arial" panose="020B0604020202020204" pitchFamily="34" charset="0"/>
-              </a:rPr>
-              <a:t>(scholarships AND grants) AND (cinema AND video)</a:t>
-            </a:r>
-          </a:p>
-          <a:p>
-            <a:r>
-              <a:rPr lang="en-US" b="0" i="0" dirty="0">
-                <a:solidFill>
-                  <a:srgbClr val="000000"/>
-                </a:solidFill>
-                <a:effectLst/>
-                <a:latin typeface="Arial" panose="020B0604020202020204" pitchFamily="34" charset="0"/>
-                <a:cs typeface="Arial" panose="020B0604020202020204" pitchFamily="34" charset="0"/>
-              </a:rPr>
-              <a:t>(scholarships OR grants) AND (cinema OR video) </a:t>
-            </a:r>
-          </a:p>
-          <a:p>
-            <a:r>
-              <a:rPr lang="en-US" b="0" i="0" dirty="0">
-                <a:solidFill>
-                  <a:srgbClr val="000000"/>
-                </a:solidFill>
-                <a:effectLst/>
-                <a:latin typeface="Arial" panose="020B0604020202020204" pitchFamily="34" charset="0"/>
-                <a:cs typeface="Arial" panose="020B0604020202020204" pitchFamily="34" charset="0"/>
-              </a:rPr>
-              <a:t>Copy the wording of this question and the chosen answer into your report</a:t>
-            </a:r>
-            <a:r>
-              <a:rPr lang="en-US" b="0" i="0" dirty="0">
-                <a:solidFill>
-                  <a:srgbClr val="000000"/>
-                </a:solidFill>
-                <a:effectLst/>
-                <a:latin typeface="Roboto" panose="02000000000000000000" pitchFamily="2" charset="0"/>
-              </a:rPr>
-              <a:t>.</a:t>
-            </a:r>
-            <a:endParaRPr lang="en-US" dirty="0"/>
-          </a:p>
-        </p:txBody>
-      </p:sp>
-    </p:spTree>
-    <p:extLst>
-      <p:ext uri="{BB962C8B-B14F-4D97-AF65-F5344CB8AC3E}">
-        <p14:creationId xmlns:p14="http://schemas.microsoft.com/office/powerpoint/2010/main" val="3927661795"/>
-      </p:ext>
-    </p:extLst>
-  </p:cSld>
-  <p:clrMapOvr>
-    <a:masterClrMapping/>
-  </p:clrMapOvr>
-</p:sld>
-</file>
-
-<file path=ppt/slides/slide17.xml><?xml version="1.0" encoding="utf-8"?>
-<p:sld xmlns:a="http://schemas.openxmlformats.org/drawingml/2006/main" xmlns:r="http://schemas.openxmlformats.org/officeDocument/2006/relationships" xmlns:p="http://schemas.openxmlformats.org/presentationml/2006/main">
-  <p:cSld>
-    <p:spTree>
-      <p:nvGrpSpPr>
-        <p:cNvPr id="1" name=""/>
-        <p:cNvGrpSpPr/>
-        <p:nvPr/>
-      </p:nvGrpSpPr>
-      <p:grpSpPr>
-        <a:xfrm>
-          <a:off x="0" y="0"/>
-          <a:ext cx="0" cy="0"/>
-          <a:chOff x="0" y="0"/>
-          <a:chExt cx="0" cy="0"/>
-        </a:xfrm>
-      </p:grpSpPr>
-      <p:sp>
-        <p:nvSpPr>
-          <p:cNvPr id="2" name="Title 1">
-            <a:extLst>
-              <a:ext uri="{FF2B5EF4-FFF2-40B4-BE49-F238E27FC236}">
-                <a16:creationId xmlns:a16="http://schemas.microsoft.com/office/drawing/2014/main" id="{348EFC0C-9C94-AA51-08A1-0CF9E1DAFC12}"/>
-              </a:ext>
-            </a:extLst>
-          </p:cNvPr>
-          <p:cNvSpPr>
-            <a:spLocks noGrp="1"/>
-          </p:cNvSpPr>
-          <p:nvPr>
-            <p:ph type="title"/>
-          </p:nvPr>
-        </p:nvSpPr>
-        <p:spPr/>
-        <p:txBody>
-          <a:bodyPr/>
-          <a:lstStyle/>
-          <a:p>
-            <a:r>
-              <a:rPr lang="es-419" dirty="0"/>
-              <a:t>Workshop</a:t>
-            </a:r>
-            <a:endParaRPr lang="en-US" dirty="0"/>
-          </a:p>
-        </p:txBody>
-      </p:sp>
-      <p:sp>
-        <p:nvSpPr>
-          <p:cNvPr id="3" name="Content Placeholder 2">
-            <a:extLst>
-              <a:ext uri="{FF2B5EF4-FFF2-40B4-BE49-F238E27FC236}">
-                <a16:creationId xmlns:a16="http://schemas.microsoft.com/office/drawing/2014/main" id="{38E2077B-5B95-47FE-7055-E98E9E85F65A}"/>
-              </a:ext>
-            </a:extLst>
-          </p:cNvPr>
-          <p:cNvSpPr>
-            <a:spLocks noGrp="1"/>
-          </p:cNvSpPr>
-          <p:nvPr>
-            <p:ph idx="1"/>
-          </p:nvPr>
-        </p:nvSpPr>
-        <p:spPr/>
-        <p:txBody>
-          <a:bodyPr>
-            <a:normAutofit/>
+            <a:normAutofit fontScale="85000" lnSpcReduction="20000"/>
           </a:bodyPr>
           <a:lstStyle/>
           <a:p>
@@ -11421,35 +11767,7 @@
                 <a:latin typeface="Arial" panose="020B0604020202020204" pitchFamily="34" charset="0"/>
                 <a:cs typeface="Arial" panose="020B0604020202020204" pitchFamily="34" charset="0"/>
               </a:rPr>
-              <a:t>Conflictos</a:t>
-            </a:r>
-            <a:r>
-              <a:rPr lang="en-US" dirty="0">
-                <a:latin typeface="Arial" panose="020B0604020202020204" pitchFamily="34" charset="0"/>
-                <a:cs typeface="Arial" panose="020B0604020202020204" pitchFamily="34" charset="0"/>
-              </a:rPr>
-              <a:t> de </a:t>
-            </a:r>
-            <a:r>
-              <a:rPr lang="en-US" dirty="0" err="1">
-                <a:latin typeface="Arial" panose="020B0604020202020204" pitchFamily="34" charset="0"/>
-                <a:cs typeface="Arial" panose="020B0604020202020204" pitchFamily="34" charset="0"/>
-              </a:rPr>
-              <a:t>uso</a:t>
-            </a:r>
-            <a:r>
-              <a:rPr lang="en-US" dirty="0">
-                <a:latin typeface="Arial" panose="020B0604020202020204" pitchFamily="34" charset="0"/>
-                <a:cs typeface="Arial" panose="020B0604020202020204" pitchFamily="34" charset="0"/>
-              </a:rPr>
-              <a:t> del </a:t>
-            </a:r>
-            <a:r>
-              <a:rPr lang="en-US" dirty="0" err="1">
-                <a:latin typeface="Arial" panose="020B0604020202020204" pitchFamily="34" charset="0"/>
-                <a:cs typeface="Arial" panose="020B0604020202020204" pitchFamily="34" charset="0"/>
-              </a:rPr>
-              <a:t>suelo</a:t>
+              <a:t>Conflicto</a:t>
             </a:r>
             <a:r>
               <a:rPr lang="en-US" dirty="0">
@@ -11459,11 +11777,53 @@
               <a:t> </a:t>
             </a:r>
             <a:r>
+              <a:rPr lang="en-US" dirty="0" err="1">
+                <a:latin typeface="Arial" panose="020B0604020202020204" pitchFamily="34" charset="0"/>
+                <a:cs typeface="Arial" panose="020B0604020202020204" pitchFamily="34" charset="0"/>
+              </a:rPr>
+              <a:t>armado</a:t>
+            </a:r>
+            <a:r>
+              <a:rPr lang="en-US" dirty="0">
+                <a:latin typeface="Arial" panose="020B0604020202020204" pitchFamily="34" charset="0"/>
+                <a:cs typeface="Arial" panose="020B0604020202020204" pitchFamily="34" charset="0"/>
+              </a:rPr>
+              <a:t> </a:t>
+            </a:r>
+            <a:r>
+              <a:rPr lang="en-US" dirty="0" err="1">
+                <a:latin typeface="Arial" panose="020B0604020202020204" pitchFamily="34" charset="0"/>
+                <a:cs typeface="Arial" panose="020B0604020202020204" pitchFamily="34" charset="0"/>
+              </a:rPr>
+              <a:t>en</a:t>
+            </a:r>
+            <a:r>
+              <a:rPr lang="en-US" dirty="0">
+                <a:latin typeface="Arial" panose="020B0604020202020204" pitchFamily="34" charset="0"/>
+                <a:cs typeface="Arial" panose="020B0604020202020204" pitchFamily="34" charset="0"/>
+              </a:rPr>
+              <a:t> </a:t>
+            </a:r>
+            <a:r>
+              <a:rPr lang="en-US" dirty="0" err="1">
+                <a:latin typeface="Arial" panose="020B0604020202020204" pitchFamily="34" charset="0"/>
+                <a:cs typeface="Arial" panose="020B0604020202020204" pitchFamily="34" charset="0"/>
+              </a:rPr>
+              <a:t>el</a:t>
+            </a:r>
+            <a:r>
+              <a:rPr lang="en-US" dirty="0">
+                <a:latin typeface="Arial" panose="020B0604020202020204" pitchFamily="34" charset="0"/>
+                <a:cs typeface="Arial" panose="020B0604020202020204" pitchFamily="34" charset="0"/>
+              </a:rPr>
+              <a:t> </a:t>
+            </a:r>
+            <a:r>
               <a:rPr lang="es-419" dirty="0">
                 <a:latin typeface="Arial" panose="020B0604020202020204" pitchFamily="34" charset="0"/>
                 <a:cs typeface="Arial" panose="020B0604020202020204" pitchFamily="34" charset="0"/>
               </a:rPr>
-              <a:t>en el amazonia.</a:t>
+              <a:t>Putumayo después del proceso de paz en Colombia</a:t>
             </a:r>
           </a:p>
           <a:p>
@@ -11480,11 +11840,144 @@
               <a:buNone/>
             </a:pPr>
             <a:r>
+              <a:rPr lang="es-419" dirty="0" err="1">
+                <a:latin typeface="Arial" panose="020B0604020202020204" pitchFamily="34" charset="0"/>
+                <a:cs typeface="Arial" panose="020B0604020202020204" pitchFamily="34" charset="0"/>
+              </a:rPr>
+              <a:t>How</a:t>
+            </a:r>
+            <a:r>
               <a:rPr lang="es-419" dirty="0">
                 <a:latin typeface="Arial" panose="020B0604020202020204" pitchFamily="34" charset="0"/>
                 <a:cs typeface="Arial" panose="020B0604020202020204" pitchFamily="34" charset="0"/>
               </a:rPr>
-              <a:t>Use Google </a:t>
+              <a:t> </a:t>
+            </a:r>
+            <a:r>
+              <a:rPr lang="es-419" dirty="0" err="1">
+                <a:latin typeface="Arial" panose="020B0604020202020204" pitchFamily="34" charset="0"/>
+                <a:cs typeface="Arial" panose="020B0604020202020204" pitchFamily="34" charset="0"/>
+              </a:rPr>
+              <a:t>many</a:t>
+            </a:r>
+            <a:r>
+              <a:rPr lang="es-419" dirty="0">
+                <a:latin typeface="Arial" panose="020B0604020202020204" pitchFamily="34" charset="0"/>
+                <a:cs typeface="Arial" panose="020B0604020202020204" pitchFamily="34" charset="0"/>
+              </a:rPr>
+              <a:t> </a:t>
+            </a:r>
+            <a:r>
+              <a:rPr lang="es-419" dirty="0" err="1">
+                <a:latin typeface="Arial" panose="020B0604020202020204" pitchFamily="34" charset="0"/>
+                <a:cs typeface="Arial" panose="020B0604020202020204" pitchFamily="34" charset="0"/>
+              </a:rPr>
+              <a:t>results</a:t>
+            </a:r>
+            <a:r>
+              <a:rPr lang="es-419" dirty="0">
+                <a:latin typeface="Arial" panose="020B0604020202020204" pitchFamily="34" charset="0"/>
+                <a:cs typeface="Arial" panose="020B0604020202020204" pitchFamily="34" charset="0"/>
+              </a:rPr>
+              <a:t> do </a:t>
+            </a:r>
+            <a:r>
+              <a:rPr lang="es-419" dirty="0" err="1">
+                <a:latin typeface="Arial" panose="020B0604020202020204" pitchFamily="34" charset="0"/>
+                <a:cs typeface="Arial" panose="020B0604020202020204" pitchFamily="34" charset="0"/>
+              </a:rPr>
+              <a:t>we</a:t>
+            </a:r>
+            <a:r>
+              <a:rPr lang="es-419" dirty="0">
+                <a:latin typeface="Arial" panose="020B0604020202020204" pitchFamily="34" charset="0"/>
+                <a:cs typeface="Arial" panose="020B0604020202020204" pitchFamily="34" charset="0"/>
+              </a:rPr>
+              <a:t> </a:t>
+            </a:r>
+            <a:r>
+              <a:rPr lang="es-419" dirty="0" err="1">
+                <a:latin typeface="Arial" panose="020B0604020202020204" pitchFamily="34" charset="0"/>
+                <a:cs typeface="Arial" panose="020B0604020202020204" pitchFamily="34" charset="0"/>
+              </a:rPr>
+              <a:t>obtain</a:t>
+            </a:r>
+            <a:r>
+              <a:rPr lang="es-419" dirty="0">
+                <a:latin typeface="Arial" panose="020B0604020202020204" pitchFamily="34" charset="0"/>
+                <a:cs typeface="Arial" panose="020B0604020202020204" pitchFamily="34" charset="0"/>
+              </a:rPr>
+              <a:t> </a:t>
+            </a:r>
+            <a:r>
+              <a:rPr lang="es-419" dirty="0" err="1">
+                <a:latin typeface="Arial" panose="020B0604020202020204" pitchFamily="34" charset="0"/>
+                <a:cs typeface="Arial" panose="020B0604020202020204" pitchFamily="34" charset="0"/>
+              </a:rPr>
+              <a:t>from</a:t>
+            </a:r>
+            <a:r>
+              <a:rPr lang="es-419" dirty="0">
+                <a:latin typeface="Arial" panose="020B0604020202020204" pitchFamily="34" charset="0"/>
+                <a:cs typeface="Arial" panose="020B0604020202020204" pitchFamily="34" charset="0"/>
+              </a:rPr>
+              <a:t> </a:t>
+            </a:r>
+            <a:r>
+              <a:rPr lang="es-419" dirty="0" err="1">
+                <a:latin typeface="Arial" panose="020B0604020202020204" pitchFamily="34" charset="0"/>
+                <a:cs typeface="Arial" panose="020B0604020202020204" pitchFamily="34" charset="0"/>
+              </a:rPr>
+              <a:t>this</a:t>
+            </a:r>
+            <a:r>
+              <a:rPr lang="es-419" dirty="0">
+                <a:latin typeface="Arial" panose="020B0604020202020204" pitchFamily="34" charset="0"/>
+                <a:cs typeface="Arial" panose="020B0604020202020204" pitchFamily="34" charset="0"/>
+              </a:rPr>
+              <a:t> </a:t>
+            </a:r>
+            <a:r>
+              <a:rPr lang="es-419" dirty="0" err="1">
+                <a:latin typeface="Arial" panose="020B0604020202020204" pitchFamily="34" charset="0"/>
+                <a:cs typeface="Arial" panose="020B0604020202020204" pitchFamily="34" charset="0"/>
+              </a:rPr>
+              <a:t>search</a:t>
+            </a:r>
+            <a:r>
+              <a:rPr lang="es-419" dirty="0">
+                <a:latin typeface="Arial" panose="020B0604020202020204" pitchFamily="34" charset="0"/>
+                <a:cs typeface="Arial" panose="020B0604020202020204" pitchFamily="34" charset="0"/>
+              </a:rPr>
+              <a:t>?</a:t>
+            </a:r>
+          </a:p>
+          <a:p>
+            <a:pPr marL="0" indent="0">
+              <a:buNone/>
+            </a:pPr>
+            <a:r>
+              <a:rPr lang="es-419" dirty="0" err="1">
+                <a:latin typeface="Arial" panose="020B0604020202020204" pitchFamily="34" charset="0"/>
+                <a:cs typeface="Arial" panose="020B0604020202020204" pitchFamily="34" charset="0"/>
+              </a:rPr>
+              <a:t>Scopus</a:t>
+            </a:r>
+            <a:endParaRPr lang="es-419" dirty="0">
+              <a:latin typeface="Arial" panose="020B0604020202020204" pitchFamily="34" charset="0"/>
+              <a:cs typeface="Arial" panose="020B0604020202020204" pitchFamily="34" charset="0"/>
+            </a:endParaRPr>
+          </a:p>
+          <a:p>
+            <a:pPr marL="0" indent="0">
+              <a:buNone/>
+            </a:pPr>
+            <a:r>
+              <a:rPr lang="es-419" dirty="0">
+                <a:latin typeface="Arial" panose="020B0604020202020204" pitchFamily="34" charset="0"/>
+                <a:cs typeface="Arial" panose="020B0604020202020204" pitchFamily="34" charset="0"/>
+              </a:rPr>
+              <a:t>Google </a:t>
             </a:r>
             <a:r>
               <a:rPr lang="es-419" dirty="0" err="1">
